--- a/lessons/basic/introduce/第一节课：课程介绍.pptx
+++ b/lessons/basic/introduce/第一节课：课程介绍.pptx
@@ -6383,14 +6383,14 @@
               <a:buChar char="•"/>
             </a:pPr>
             <a:r>
-              <a:t>开发</a:t>
+              <a:t>开发渲染引擎</a:t>
             </a:r>
             <a:r>
               <a:rPr lang="en-US" altLang="zh-CN"/>
-              <a:t>3D</a:t>
-            </a:r>
-            <a:r>
-              <a:t>引擎</a:t>
+              <a:t>/</a:t>
+            </a:r>
+            <a:r>
+              <a:t>渲染器</a:t>
             </a:r>
           </a:p>
           <a:p>
@@ -6399,10 +6399,7 @@
               <a:buChar char="•"/>
             </a:pPr>
             <a:r>
-              <a:t>开发</a:t>
-            </a:r>
-            <a:r>
-              <a:t>渲染器</a:t>
+              <a:t>学习计算机图形学</a:t>
             </a:r>
           </a:p>
           <a:p>
@@ -6410,9 +6407,6 @@
               <a:buFont typeface="Arial" panose="020B0604020202020204" pitchFamily="34" charset="0"/>
               <a:buChar char="•"/>
             </a:pPr>
-            <a:r>
-              <a:t>学习计算机图形学</a:t>
-            </a:r>
           </a:p>
           <a:p>
             <a:pPr marL="285750" indent="-285750">
@@ -9505,6 +9499,9 @@
               </a:rPr>
               <a:t>用来实现全局光照</a:t>
             </a:r>
+            <a:endParaRPr>
+              <a:sym typeface="+mn-ea"/>
+            </a:endParaRPr>
           </a:p>
           <a:p>
             <a:pPr marL="342900" indent="-342900">
